--- a/_book/plot/pro-survey-q5-bar-1.pptx
+++ b/_book/plot/pro-survey-q5-bar-1.pptx
@@ -3192,8 +3192,8 @@
           </p:nvSpPr>
           <p:spPr>
             <a:xfrm>
-              <a:off x="2019661" y="1590617"/>
-              <a:ext cx="6917431" cy="4055309"/>
+              <a:off x="2017917" y="1590617"/>
+              <a:ext cx="6919174" cy="4059006"/>
             </a:xfrm>
             <a:prstGeom prst="rect">
               <a:avLst/>
@@ -3218,15 +3218,15 @@
           </p:nvSpPr>
           <p:spPr>
             <a:xfrm>
-              <a:off x="3149960" y="1590617"/>
-              <a:ext cx="0" cy="4055309"/>
+              <a:off x="3148501" y="1590617"/>
+              <a:ext cx="0" cy="4059006"/>
             </a:xfrm>
             <a:custGeom>
               <a:avLst/>
               <a:pathLst>
-                <a:path w="0" h="4055309">
+                <a:path w="0" h="4059006">
                   <a:moveTo>
-                    <a:pt x="0" y="4055309"/>
+                    <a:pt x="0" y="4059006"/>
                   </a:moveTo>
                   <a:lnTo>
                     <a:pt x="0" y="0"/>
@@ -3261,15 +3261,15 @@
           </p:nvSpPr>
           <p:spPr>
             <a:xfrm>
-              <a:off x="5410558" y="1590617"/>
-              <a:ext cx="0" cy="4055309"/>
+              <a:off x="5409669" y="1590617"/>
+              <a:ext cx="0" cy="4059006"/>
             </a:xfrm>
             <a:custGeom>
               <a:avLst/>
               <a:pathLst>
-                <a:path w="0" h="4055309">
+                <a:path w="0" h="4059006">
                   <a:moveTo>
-                    <a:pt x="0" y="4055309"/>
+                    <a:pt x="0" y="4059006"/>
                   </a:moveTo>
                   <a:lnTo>
                     <a:pt x="0" y="0"/>
@@ -3304,15 +3304,15 @@
           </p:nvSpPr>
           <p:spPr>
             <a:xfrm>
-              <a:off x="7671157" y="1590617"/>
-              <a:ext cx="0" cy="4055309"/>
+              <a:off x="7670838" y="1590617"/>
+              <a:ext cx="0" cy="4059006"/>
             </a:xfrm>
             <a:custGeom>
               <a:avLst/>
               <a:pathLst>
-                <a:path w="0" h="4055309">
+                <a:path w="0" h="4059006">
                   <a:moveTo>
-                    <a:pt x="0" y="4055309"/>
+                    <a:pt x="0" y="4059006"/>
                   </a:moveTo>
                   <a:lnTo>
                     <a:pt x="0" y="0"/>
@@ -3347,21 +3347,21 @@
           </p:nvSpPr>
           <p:spPr>
             <a:xfrm>
-              <a:off x="2019661" y="5349196"/>
-              <a:ext cx="6917431" cy="0"/>
+              <a:off x="2017917" y="5352623"/>
+              <a:ext cx="6919174" cy="0"/>
             </a:xfrm>
             <a:custGeom>
               <a:avLst/>
               <a:pathLst>
-                <a:path w="6917431" h="0">
+                <a:path w="6919174" h="0">
                   <a:moveTo>
                     <a:pt x="0" y="0"/>
                   </a:moveTo>
                   <a:lnTo>
-                    <a:pt x="6917431" y="0"/>
-                  </a:lnTo>
-                  <a:lnTo>
-                    <a:pt x="6917431" y="0"/>
+                    <a:pt x="6919174" y="0"/>
+                  </a:lnTo>
+                  <a:lnTo>
+                    <a:pt x="6919174" y="0"/>
                   </a:lnTo>
                 </a:path>
               </a:pathLst>
@@ -3390,21 +3390,21 @@
           </p:nvSpPr>
           <p:spPr>
             <a:xfrm>
-              <a:off x="2019661" y="4854646"/>
-              <a:ext cx="6917431" cy="0"/>
+              <a:off x="2017917" y="4857622"/>
+              <a:ext cx="6919174" cy="0"/>
             </a:xfrm>
             <a:custGeom>
               <a:avLst/>
               <a:pathLst>
-                <a:path w="6917431" h="0">
+                <a:path w="6919174" h="0">
                   <a:moveTo>
                     <a:pt x="0" y="0"/>
                   </a:moveTo>
                   <a:lnTo>
-                    <a:pt x="6917431" y="0"/>
-                  </a:lnTo>
-                  <a:lnTo>
-                    <a:pt x="6917431" y="0"/>
+                    <a:pt x="6919174" y="0"/>
+                  </a:lnTo>
+                  <a:lnTo>
+                    <a:pt x="6919174" y="0"/>
                   </a:lnTo>
                 </a:path>
               </a:pathLst>
@@ -3433,21 +3433,21 @@
           </p:nvSpPr>
           <p:spPr>
             <a:xfrm>
-              <a:off x="2019661" y="4360096"/>
-              <a:ext cx="6917431" cy="0"/>
+              <a:off x="2017917" y="4362621"/>
+              <a:ext cx="6919174" cy="0"/>
             </a:xfrm>
             <a:custGeom>
               <a:avLst/>
               <a:pathLst>
-                <a:path w="6917431" h="0">
+                <a:path w="6919174" h="0">
                   <a:moveTo>
                     <a:pt x="0" y="0"/>
                   </a:moveTo>
                   <a:lnTo>
-                    <a:pt x="6917431" y="0"/>
-                  </a:lnTo>
-                  <a:lnTo>
-                    <a:pt x="6917431" y="0"/>
+                    <a:pt x="6919174" y="0"/>
+                  </a:lnTo>
+                  <a:lnTo>
+                    <a:pt x="6919174" y="0"/>
                   </a:lnTo>
                 </a:path>
               </a:pathLst>
@@ -3476,21 +3476,21 @@
           </p:nvSpPr>
           <p:spPr>
             <a:xfrm>
-              <a:off x="2019661" y="3865546"/>
-              <a:ext cx="6917431" cy="0"/>
+              <a:off x="2017917" y="3867620"/>
+              <a:ext cx="6919174" cy="0"/>
             </a:xfrm>
             <a:custGeom>
               <a:avLst/>
               <a:pathLst>
-                <a:path w="6917431" h="0">
+                <a:path w="6919174" h="0">
                   <a:moveTo>
                     <a:pt x="0" y="0"/>
                   </a:moveTo>
                   <a:lnTo>
-                    <a:pt x="6917431" y="0"/>
-                  </a:lnTo>
-                  <a:lnTo>
-                    <a:pt x="6917431" y="0"/>
+                    <a:pt x="6919174" y="0"/>
+                  </a:lnTo>
+                  <a:lnTo>
+                    <a:pt x="6919174" y="0"/>
                   </a:lnTo>
                 </a:path>
               </a:pathLst>
@@ -3519,21 +3519,21 @@
           </p:nvSpPr>
           <p:spPr>
             <a:xfrm>
-              <a:off x="2019661" y="3370996"/>
-              <a:ext cx="6917431" cy="0"/>
+              <a:off x="2017917" y="3372620"/>
+              <a:ext cx="6919174" cy="0"/>
             </a:xfrm>
             <a:custGeom>
               <a:avLst/>
               <a:pathLst>
-                <a:path w="6917431" h="0">
+                <a:path w="6919174" h="0">
                   <a:moveTo>
                     <a:pt x="0" y="0"/>
                   </a:moveTo>
                   <a:lnTo>
-                    <a:pt x="6917431" y="0"/>
-                  </a:lnTo>
-                  <a:lnTo>
-                    <a:pt x="6917431" y="0"/>
+                    <a:pt x="6919174" y="0"/>
+                  </a:lnTo>
+                  <a:lnTo>
+                    <a:pt x="6919174" y="0"/>
                   </a:lnTo>
                 </a:path>
               </a:pathLst>
@@ -3562,21 +3562,21 @@
           </p:nvSpPr>
           <p:spPr>
             <a:xfrm>
-              <a:off x="2019661" y="2876447"/>
-              <a:ext cx="6917431" cy="0"/>
+              <a:off x="2017917" y="2877619"/>
+              <a:ext cx="6919174" cy="0"/>
             </a:xfrm>
             <a:custGeom>
               <a:avLst/>
               <a:pathLst>
-                <a:path w="6917431" h="0">
+                <a:path w="6919174" h="0">
                   <a:moveTo>
                     <a:pt x="0" y="0"/>
                   </a:moveTo>
                   <a:lnTo>
-                    <a:pt x="6917431" y="0"/>
-                  </a:lnTo>
-                  <a:lnTo>
-                    <a:pt x="6917431" y="0"/>
+                    <a:pt x="6919174" y="0"/>
+                  </a:lnTo>
+                  <a:lnTo>
+                    <a:pt x="6919174" y="0"/>
                   </a:lnTo>
                 </a:path>
               </a:pathLst>
@@ -3605,21 +3605,21 @@
           </p:nvSpPr>
           <p:spPr>
             <a:xfrm>
-              <a:off x="2019661" y="2381897"/>
-              <a:ext cx="6917431" cy="0"/>
+              <a:off x="2017917" y="2382618"/>
+              <a:ext cx="6919174" cy="0"/>
             </a:xfrm>
             <a:custGeom>
               <a:avLst/>
               <a:pathLst>
-                <a:path w="6917431" h="0">
+                <a:path w="6919174" h="0">
                   <a:moveTo>
                     <a:pt x="0" y="0"/>
                   </a:moveTo>
                   <a:lnTo>
-                    <a:pt x="6917431" y="0"/>
-                  </a:lnTo>
-                  <a:lnTo>
-                    <a:pt x="6917431" y="0"/>
+                    <a:pt x="6919174" y="0"/>
+                  </a:lnTo>
+                  <a:lnTo>
+                    <a:pt x="6919174" y="0"/>
                   </a:lnTo>
                 </a:path>
               </a:pathLst>
@@ -3648,21 +3648,21 @@
           </p:nvSpPr>
           <p:spPr>
             <a:xfrm>
-              <a:off x="2019661" y="1887347"/>
-              <a:ext cx="6917431" cy="0"/>
+              <a:off x="2017917" y="1887617"/>
+              <a:ext cx="6919174" cy="0"/>
             </a:xfrm>
             <a:custGeom>
               <a:avLst/>
               <a:pathLst>
-                <a:path w="6917431" h="0">
+                <a:path w="6919174" h="0">
                   <a:moveTo>
                     <a:pt x="0" y="0"/>
                   </a:moveTo>
                   <a:lnTo>
-                    <a:pt x="6917431" y="0"/>
-                  </a:lnTo>
-                  <a:lnTo>
-                    <a:pt x="6917431" y="0"/>
+                    <a:pt x="6919174" y="0"/>
+                  </a:lnTo>
+                  <a:lnTo>
+                    <a:pt x="6919174" y="0"/>
                   </a:lnTo>
                 </a:path>
               </a:pathLst>
@@ -3691,15 +3691,15 @@
           </p:nvSpPr>
           <p:spPr>
             <a:xfrm>
-              <a:off x="2019661" y="1590617"/>
-              <a:ext cx="0" cy="4055309"/>
+              <a:off x="2017917" y="1590617"/>
+              <a:ext cx="0" cy="4059006"/>
             </a:xfrm>
             <a:custGeom>
               <a:avLst/>
               <a:pathLst>
-                <a:path w="0" h="4055309">
+                <a:path w="0" h="4059006">
                   <a:moveTo>
-                    <a:pt x="0" y="4055309"/>
+                    <a:pt x="0" y="4059006"/>
                   </a:moveTo>
                   <a:lnTo>
                     <a:pt x="0" y="0"/>
@@ -3734,15 +3734,15 @@
           </p:nvSpPr>
           <p:spPr>
             <a:xfrm>
-              <a:off x="4280259" y="1590617"/>
-              <a:ext cx="0" cy="4055309"/>
+              <a:off x="4279085" y="1590617"/>
+              <a:ext cx="0" cy="4059006"/>
             </a:xfrm>
             <a:custGeom>
               <a:avLst/>
               <a:pathLst>
-                <a:path w="0" h="4055309">
+                <a:path w="0" h="4059006">
                   <a:moveTo>
-                    <a:pt x="0" y="4055309"/>
+                    <a:pt x="0" y="4059006"/>
                   </a:moveTo>
                   <a:lnTo>
                     <a:pt x="0" y="0"/>
@@ -3777,15 +3777,15 @@
           </p:nvSpPr>
           <p:spPr>
             <a:xfrm>
-              <a:off x="6540858" y="1590617"/>
-              <a:ext cx="0" cy="4055309"/>
+              <a:off x="6540254" y="1590617"/>
+              <a:ext cx="0" cy="4059006"/>
             </a:xfrm>
             <a:custGeom>
               <a:avLst/>
               <a:pathLst>
-                <a:path w="0" h="4055309">
+                <a:path w="0" h="4059006">
                   <a:moveTo>
-                    <a:pt x="0" y="4055309"/>
+                    <a:pt x="0" y="4059006"/>
                   </a:moveTo>
                   <a:lnTo>
                     <a:pt x="0" y="0"/>
@@ -3820,15 +3820,15 @@
           </p:nvSpPr>
           <p:spPr>
             <a:xfrm>
-              <a:off x="8801456" y="1590617"/>
-              <a:ext cx="0" cy="4055309"/>
+              <a:off x="8801422" y="1590617"/>
+              <a:ext cx="0" cy="4059006"/>
             </a:xfrm>
             <a:custGeom>
               <a:avLst/>
               <a:pathLst>
-                <a:path w="0" h="4055309">
+                <a:path w="0" h="4059006">
                   <a:moveTo>
-                    <a:pt x="0" y="4055309"/>
+                    <a:pt x="0" y="4059006"/>
                   </a:moveTo>
                   <a:lnTo>
                     <a:pt x="0" y="0"/>
@@ -3863,8 +3863,8 @@
           </p:nvSpPr>
           <p:spPr>
             <a:xfrm>
-              <a:off x="2019661" y="1664799"/>
-              <a:ext cx="6781795" cy="445094"/>
+              <a:off x="2017917" y="1664867"/>
+              <a:ext cx="6783504" cy="445500"/>
             </a:xfrm>
             <a:prstGeom prst="rect">
               <a:avLst/>
@@ -3889,8 +3889,8 @@
           </p:nvSpPr>
           <p:spPr>
             <a:xfrm>
-              <a:off x="2019661" y="2159349"/>
-              <a:ext cx="5312406" cy="445094"/>
+              <a:off x="2017917" y="2159868"/>
+              <a:ext cx="5313745" cy="445500"/>
             </a:xfrm>
             <a:prstGeom prst="rect">
               <a:avLst/>
@@ -3915,8 +3915,8 @@
           </p:nvSpPr>
           <p:spPr>
             <a:xfrm>
-              <a:off x="2019661" y="2653899"/>
-              <a:ext cx="4453378" cy="445094"/>
+              <a:off x="2017917" y="2654868"/>
+              <a:ext cx="4454501" cy="445500"/>
             </a:xfrm>
             <a:prstGeom prst="rect">
               <a:avLst/>
@@ -3941,8 +3941,8 @@
           </p:nvSpPr>
           <p:spPr>
             <a:xfrm>
-              <a:off x="2019661" y="3148449"/>
-              <a:ext cx="2577082" cy="445094"/>
+              <a:off x="2017917" y="3149869"/>
+              <a:ext cx="2577731" cy="445500"/>
             </a:xfrm>
             <a:prstGeom prst="rect">
               <a:avLst/>
@@ -3967,8 +3967,8 @@
           </p:nvSpPr>
           <p:spPr>
             <a:xfrm>
-              <a:off x="2019661" y="3642999"/>
-              <a:ext cx="1469389" cy="445094"/>
+              <a:off x="2017917" y="3644870"/>
+              <a:ext cx="1469759" cy="445500"/>
             </a:xfrm>
             <a:prstGeom prst="rect">
               <a:avLst/>
@@ -3993,8 +3993,8 @@
           </p:nvSpPr>
           <p:spPr>
             <a:xfrm>
-              <a:off x="2019661" y="4137549"/>
-              <a:ext cx="994663" cy="445094"/>
+              <a:off x="2017917" y="4139871"/>
+              <a:ext cx="994914" cy="445500"/>
             </a:xfrm>
             <a:prstGeom prst="rect">
               <a:avLst/>
@@ -4019,8 +4019,8 @@
           </p:nvSpPr>
           <p:spPr>
             <a:xfrm>
-              <a:off x="2019661" y="4632099"/>
-              <a:ext cx="926845" cy="445094"/>
+              <a:off x="2017917" y="4634872"/>
+              <a:ext cx="927078" cy="445500"/>
             </a:xfrm>
             <a:prstGeom prst="rect">
               <a:avLst/>
@@ -4045,8 +4045,8 @@
           </p:nvSpPr>
           <p:spPr>
             <a:xfrm>
-              <a:off x="2019661" y="5126649"/>
-              <a:ext cx="474725" cy="445094"/>
+              <a:off x="2017917" y="5129872"/>
+              <a:ext cx="474845" cy="445500"/>
             </a:xfrm>
             <a:prstGeom prst="rect">
               <a:avLst/>
@@ -4071,7 +4071,7 @@
           </p:nvSpPr>
           <p:spPr>
             <a:xfrm>
-              <a:off x="8432474" y="1825030"/>
+              <a:off x="8432400" y="1825300"/>
               <a:ext cx="43616" cy="94430"/>
             </a:xfrm>
             <a:custGeom>
@@ -4150,7 +4150,7 @@
           </p:nvSpPr>
           <p:spPr>
             <a:xfrm>
-              <a:off x="8451953" y="1832652"/>
+              <a:off x="8451879" y="1832922"/>
               <a:ext cx="3811" cy="10162"/>
             </a:xfrm>
             <a:custGeom>
@@ -4193,7 +4193,7 @@
           </p:nvSpPr>
           <p:spPr>
             <a:xfrm>
-              <a:off x="8442214" y="1850014"/>
+              <a:off x="8442140" y="1850284"/>
               <a:ext cx="23713" cy="40228"/>
             </a:xfrm>
             <a:custGeom>
@@ -4335,7 +4335,7 @@
           </p:nvSpPr>
           <p:spPr>
             <a:xfrm>
-              <a:off x="8462116" y="1850014"/>
+              <a:off x="8462042" y="1850284"/>
               <a:ext cx="3811" cy="23290"/>
             </a:xfrm>
             <a:custGeom>
@@ -4432,7 +4432,7 @@
           </p:nvSpPr>
           <p:spPr>
             <a:xfrm>
-              <a:off x="8442214" y="1850014"/>
+              <a:off x="8442140" y="1850284"/>
               <a:ext cx="3811" cy="26254"/>
             </a:xfrm>
             <a:custGeom>
@@ -4502,7 +4502,7 @@
           </p:nvSpPr>
           <p:spPr>
             <a:xfrm>
-              <a:off x="8442214" y="1897864"/>
+              <a:off x="8442140" y="1898135"/>
               <a:ext cx="23713" cy="8469"/>
             </a:xfrm>
             <a:custGeom>
@@ -4545,7 +4545,7 @@
           </p:nvSpPr>
           <p:spPr>
             <a:xfrm>
-              <a:off x="8478631" y="1821219"/>
+              <a:off x="8478557" y="1821489"/>
               <a:ext cx="50391" cy="31335"/>
             </a:xfrm>
             <a:custGeom>
@@ -4771,7 +4771,7 @@
           </p:nvSpPr>
           <p:spPr>
             <a:xfrm>
-              <a:off x="8507850" y="1850861"/>
+              <a:off x="8507776" y="1851131"/>
               <a:ext cx="22866" cy="20325"/>
             </a:xfrm>
             <a:custGeom>
@@ -4868,7 +4868,7 @@
           </p:nvSpPr>
           <p:spPr>
             <a:xfrm>
-              <a:off x="8474820" y="1852978"/>
+              <a:off x="8474746" y="1853248"/>
               <a:ext cx="19479" cy="22019"/>
             </a:xfrm>
             <a:custGeom>
@@ -4965,7 +4965,7 @@
           </p:nvSpPr>
           <p:spPr>
             <a:xfrm>
-              <a:off x="8474396" y="1864835"/>
+              <a:off x="8474323" y="1865105"/>
               <a:ext cx="56319" cy="55049"/>
             </a:xfrm>
             <a:custGeom>
@@ -5314,7 +5314,7 @@
           </p:nvSpPr>
           <p:spPr>
             <a:xfrm>
-              <a:off x="8494299" y="1880503"/>
+              <a:off x="8494225" y="1880773"/>
               <a:ext cx="19902" cy="16514"/>
             </a:xfrm>
             <a:custGeom>
@@ -5411,7 +5411,7 @@
           </p:nvSpPr>
           <p:spPr>
             <a:xfrm>
-              <a:off x="8540879" y="1822065"/>
+              <a:off x="8540805" y="1822336"/>
               <a:ext cx="38534" cy="97818"/>
             </a:xfrm>
             <a:custGeom>
@@ -5733,7 +5733,7 @@
           </p:nvSpPr>
           <p:spPr>
             <a:xfrm>
-              <a:off x="8552736" y="1849167"/>
+              <a:off x="8552662" y="1849437"/>
               <a:ext cx="14397" cy="33876"/>
             </a:xfrm>
             <a:custGeom>
@@ -5830,7 +5830,7 @@
           </p:nvSpPr>
           <p:spPr>
             <a:xfrm>
-              <a:off x="8572639" y="1827570"/>
+              <a:off x="8572565" y="1827841"/>
               <a:ext cx="62671" cy="91890"/>
             </a:xfrm>
             <a:custGeom>
@@ -6197,7 +6197,7 @@
           </p:nvSpPr>
           <p:spPr>
             <a:xfrm>
-              <a:off x="7002043" y="2316192"/>
+              <a:off x="7001599" y="2316913"/>
               <a:ext cx="56743" cy="22443"/>
             </a:xfrm>
             <a:custGeom>
@@ -6306,7 +6306,7 @@
           </p:nvSpPr>
           <p:spPr>
             <a:xfrm>
-              <a:off x="6999079" y="2342023"/>
+              <a:off x="6998635" y="2342744"/>
               <a:ext cx="23713" cy="27524"/>
             </a:xfrm>
             <a:custGeom>
@@ -6403,7 +6403,7 @@
           </p:nvSpPr>
           <p:spPr>
             <a:xfrm>
-              <a:off x="7037190" y="2342446"/>
+              <a:off x="7036746" y="2343168"/>
               <a:ext cx="23290" cy="24560"/>
             </a:xfrm>
             <a:custGeom>
@@ -6500,7 +6500,7 @@
           </p:nvSpPr>
           <p:spPr>
             <a:xfrm>
-              <a:off x="6996538" y="2363196"/>
+              <a:off x="6996094" y="2363917"/>
               <a:ext cx="64365" cy="51238"/>
             </a:xfrm>
             <a:custGeom>
@@ -6813,7 +6813,7 @@
           </p:nvSpPr>
           <p:spPr>
             <a:xfrm>
-              <a:off x="6961815" y="2319156"/>
+              <a:off x="6961371" y="2319878"/>
               <a:ext cx="35146" cy="94854"/>
             </a:xfrm>
             <a:custGeom>
@@ -7075,7 +7075,7 @@
           </p:nvSpPr>
           <p:spPr>
             <a:xfrm>
-              <a:off x="6976636" y="2326778"/>
+              <a:off x="6976192" y="2327500"/>
               <a:ext cx="11856" cy="16938"/>
             </a:xfrm>
             <a:custGeom>
@@ -7118,7 +7118,7 @@
           </p:nvSpPr>
           <p:spPr>
             <a:xfrm>
-              <a:off x="6976212" y="2350915"/>
+              <a:off x="6975768" y="2351637"/>
               <a:ext cx="12280" cy="16938"/>
             </a:xfrm>
             <a:custGeom>
@@ -7191,7 +7191,7 @@
           </p:nvSpPr>
           <p:spPr>
             <a:xfrm>
-              <a:off x="7087158" y="2355997"/>
+              <a:off x="7086714" y="2356718"/>
               <a:ext cx="28795" cy="13550"/>
             </a:xfrm>
             <a:custGeom>
@@ -7234,7 +7234,7 @@
           </p:nvSpPr>
           <p:spPr>
             <a:xfrm>
-              <a:off x="7093510" y="2361078"/>
+              <a:off x="7093066" y="2361800"/>
               <a:ext cx="15667" cy="3811"/>
             </a:xfrm>
             <a:custGeom>
@@ -7277,7 +7277,7 @@
           </p:nvSpPr>
           <p:spPr>
             <a:xfrm>
-              <a:off x="7122729" y="2355997"/>
+              <a:off x="7122284" y="2356718"/>
               <a:ext cx="29641" cy="13550"/>
             </a:xfrm>
             <a:custGeom>
@@ -7320,7 +7320,7 @@
           </p:nvSpPr>
           <p:spPr>
             <a:xfrm>
-              <a:off x="7129080" y="2361078"/>
+              <a:off x="7128636" y="2361800"/>
               <a:ext cx="16514" cy="3811"/>
             </a:xfrm>
             <a:custGeom>
@@ -7363,7 +7363,7 @@
           </p:nvSpPr>
           <p:spPr>
             <a:xfrm>
-              <a:off x="7074878" y="2315769"/>
+              <a:off x="7074434" y="2316490"/>
               <a:ext cx="91043" cy="46580"/>
             </a:xfrm>
             <a:custGeom>
@@ -7478,7 +7478,7 @@
           </p:nvSpPr>
           <p:spPr>
             <a:xfrm>
-              <a:off x="7123999" y="2333977"/>
+              <a:off x="7123555" y="2334699"/>
               <a:ext cx="24983" cy="4234"/>
             </a:xfrm>
             <a:custGeom>
@@ -7521,7 +7521,7 @@
           </p:nvSpPr>
           <p:spPr>
             <a:xfrm>
-              <a:off x="7090546" y="2333977"/>
+              <a:off x="7090102" y="2334699"/>
               <a:ext cx="25407" cy="4234"/>
             </a:xfrm>
             <a:custGeom>
@@ -7564,7 +7564,7 @@
           </p:nvSpPr>
           <p:spPr>
             <a:xfrm>
-              <a:off x="7071914" y="2367007"/>
+              <a:off x="7071469" y="2367728"/>
               <a:ext cx="94007" cy="47850"/>
             </a:xfrm>
             <a:custGeom>
@@ -7952,7 +7952,7 @@
           </p:nvSpPr>
           <p:spPr>
             <a:xfrm>
-              <a:off x="7106637" y="2378440"/>
+              <a:off x="7106193" y="2379162"/>
               <a:ext cx="22866" cy="3387"/>
             </a:xfrm>
             <a:custGeom>
@@ -7995,7 +7995,7 @@
           </p:nvSpPr>
           <p:spPr>
             <a:xfrm>
-              <a:off x="7106637" y="2386909"/>
+              <a:off x="7106193" y="2387631"/>
               <a:ext cx="22866" cy="3387"/>
             </a:xfrm>
             <a:custGeom>
@@ -8038,7 +8038,7 @@
           </p:nvSpPr>
           <p:spPr>
             <a:xfrm>
-              <a:off x="5457862" y="2814553"/>
+              <a:off x="5457202" y="2815725"/>
               <a:ext cx="88925" cy="94007"/>
             </a:xfrm>
             <a:custGeom>
@@ -8093,7 +8093,7 @@
           </p:nvSpPr>
           <p:spPr>
             <a:xfrm>
-              <a:off x="5466332" y="2822599"/>
+              <a:off x="5465671" y="2823771"/>
               <a:ext cx="71987" cy="71987"/>
             </a:xfrm>
             <a:custGeom>
@@ -8136,7 +8136,7 @@
           </p:nvSpPr>
           <p:spPr>
             <a:xfrm>
-              <a:off x="5470990" y="2826410"/>
+              <a:off x="5470329" y="2827582"/>
               <a:ext cx="62671" cy="62248"/>
             </a:xfrm>
             <a:custGeom>
@@ -8215,7 +8215,7 @@
           </p:nvSpPr>
           <p:spPr>
             <a:xfrm>
-              <a:off x="5487081" y="2866638"/>
+              <a:off x="5486420" y="2867810"/>
               <a:ext cx="30912" cy="13974"/>
             </a:xfrm>
             <a:custGeom>
@@ -8258,7 +8258,7 @@
           </p:nvSpPr>
           <p:spPr>
             <a:xfrm>
-              <a:off x="5560762" y="2811165"/>
+              <a:off x="5560102" y="2812338"/>
               <a:ext cx="30912" cy="97395"/>
             </a:xfrm>
             <a:custGeom>
@@ -8394,7 +8394,7 @@
           </p:nvSpPr>
           <p:spPr>
             <a:xfrm>
-              <a:off x="5585746" y="2811165"/>
+              <a:off x="5585086" y="2812338"/>
               <a:ext cx="74528" cy="97818"/>
             </a:xfrm>
             <a:custGeom>
@@ -8611,7 +8611,7 @@
           </p:nvSpPr>
           <p:spPr>
             <a:xfrm>
-              <a:off x="5668744" y="2810742"/>
+              <a:off x="5668083" y="2811914"/>
               <a:ext cx="42345" cy="47850"/>
             </a:xfrm>
             <a:custGeom>
@@ -8840,7 +8840,7 @@
           </p:nvSpPr>
           <p:spPr>
             <a:xfrm>
-              <a:off x="5685259" y="2846312"/>
+              <a:off x="5684598" y="2847485"/>
               <a:ext cx="21172" cy="61401"/>
             </a:xfrm>
             <a:custGeom>
@@ -8946,7 +8946,7 @@
           </p:nvSpPr>
           <p:spPr>
             <a:xfrm>
-              <a:off x="5713207" y="2810318"/>
+              <a:off x="5712546" y="2811491"/>
               <a:ext cx="51238" cy="47003"/>
             </a:xfrm>
             <a:custGeom>
@@ -9175,7 +9175,7 @@
           </p:nvSpPr>
           <p:spPr>
             <a:xfrm>
-              <a:off x="5711513" y="2841654"/>
+              <a:off x="5710852" y="2842827"/>
               <a:ext cx="57166" cy="66906"/>
             </a:xfrm>
             <a:custGeom>
@@ -9398,7 +9398,7 @@
           </p:nvSpPr>
           <p:spPr>
             <a:xfrm>
-              <a:off x="5830928" y="2811165"/>
+              <a:off x="5830267" y="2812338"/>
               <a:ext cx="47427" cy="97395"/>
             </a:xfrm>
             <a:custGeom>
@@ -9465,7 +9465,7 @@
           </p:nvSpPr>
           <p:spPr>
             <a:xfrm>
-              <a:off x="5833892" y="2819211"/>
+              <a:off x="5833231" y="2820383"/>
               <a:ext cx="21172" cy="21172"/>
             </a:xfrm>
             <a:custGeom>
@@ -9562,7 +9562,7 @@
           </p:nvSpPr>
           <p:spPr>
             <a:xfrm>
-              <a:off x="5828811" y="2844195"/>
+              <a:off x="5828150" y="2845367"/>
               <a:ext cx="22443" cy="21596"/>
             </a:xfrm>
             <a:custGeom>
@@ -9659,7 +9659,7 @@
           </p:nvSpPr>
           <p:spPr>
             <a:xfrm>
-              <a:off x="5777996" y="2811165"/>
+              <a:off x="5777335" y="2812338"/>
               <a:ext cx="45733" cy="97818"/>
             </a:xfrm>
             <a:custGeom>
@@ -9855,7 +9855,7 @@
           </p:nvSpPr>
           <p:spPr>
             <a:xfrm>
-              <a:off x="5781384" y="2818364"/>
+              <a:off x="5780723" y="2819536"/>
               <a:ext cx="13127" cy="23290"/>
             </a:xfrm>
             <a:custGeom>
@@ -9952,7 +9952,7 @@
           </p:nvSpPr>
           <p:spPr>
             <a:xfrm>
-              <a:off x="5810179" y="2818364"/>
+              <a:off x="5809518" y="2819536"/>
               <a:ext cx="14397" cy="23713"/>
             </a:xfrm>
             <a:custGeom>
@@ -10049,7 +10049,7 @@
           </p:nvSpPr>
           <p:spPr>
             <a:xfrm>
-              <a:off x="5923242" y="2821328"/>
+              <a:off x="5922581" y="2822501"/>
               <a:ext cx="38111" cy="94430"/>
             </a:xfrm>
             <a:custGeom>
@@ -10266,7 +10266,7 @@
           </p:nvSpPr>
           <p:spPr>
             <a:xfrm>
-              <a:off x="5994806" y="2811165"/>
+              <a:off x="5994145" y="2812338"/>
               <a:ext cx="41075" cy="97818"/>
             </a:xfrm>
             <a:custGeom>
@@ -10462,7 +10462,7 @@
           </p:nvSpPr>
           <p:spPr>
             <a:xfrm>
-              <a:off x="5997770" y="2818364"/>
+              <a:off x="5997109" y="2819536"/>
               <a:ext cx="11856" cy="23290"/>
             </a:xfrm>
             <a:custGeom>
@@ -10559,7 +10559,7 @@
           </p:nvSpPr>
           <p:spPr>
             <a:xfrm>
-              <a:off x="6023601" y="2818364"/>
+              <a:off x="6022940" y="2819536"/>
               <a:ext cx="13127" cy="23713"/>
             </a:xfrm>
             <a:custGeom>
@@ -10656,7 +10656,7 @@
           </p:nvSpPr>
           <p:spPr>
             <a:xfrm>
-              <a:off x="6067217" y="2811589"/>
+              <a:off x="6066556" y="2812761"/>
               <a:ext cx="26254" cy="44039"/>
             </a:xfrm>
             <a:custGeom>
@@ -10753,7 +10753,7 @@
           </p:nvSpPr>
           <p:spPr>
             <a:xfrm>
-              <a:off x="6036305" y="2812436"/>
+              <a:off x="6035644" y="2813608"/>
               <a:ext cx="23290" cy="43616"/>
             </a:xfrm>
             <a:custGeom>
@@ -10850,7 +10850,7 @@
           </p:nvSpPr>
           <p:spPr>
             <a:xfrm>
-              <a:off x="6036305" y="2853511"/>
+              <a:off x="6035644" y="2854683"/>
               <a:ext cx="47850" cy="54625"/>
             </a:xfrm>
             <a:custGeom>
@@ -11139,7 +11139,7 @@
           </p:nvSpPr>
           <p:spPr>
             <a:xfrm>
-              <a:off x="6104058" y="2810742"/>
+              <a:off x="6103397" y="2811914"/>
               <a:ext cx="62248" cy="54625"/>
             </a:xfrm>
             <a:custGeom>
@@ -11500,7 +11500,7 @@
           </p:nvSpPr>
           <p:spPr>
             <a:xfrm>
-              <a:off x="6146404" y="2863674"/>
+              <a:off x="6145743" y="2864846"/>
               <a:ext cx="8469" cy="45309"/>
             </a:xfrm>
             <a:custGeom>
@@ -11543,7 +11543,7 @@
           </p:nvSpPr>
           <p:spPr>
             <a:xfrm>
-              <a:off x="6107022" y="2864521"/>
+              <a:off x="6106361" y="2865693"/>
               <a:ext cx="22866" cy="44462"/>
             </a:xfrm>
             <a:custGeom>
@@ -11700,7 +11700,7 @@
           </p:nvSpPr>
           <p:spPr>
             <a:xfrm>
-              <a:off x="6171811" y="2811589"/>
+              <a:off x="6171150" y="2812761"/>
               <a:ext cx="26254" cy="96971"/>
             </a:xfrm>
             <a:custGeom>
@@ -11893,7 +11893,7 @@
           </p:nvSpPr>
           <p:spPr>
             <a:xfrm>
-              <a:off x="6170964" y="2822599"/>
+              <a:off x="6170303" y="2823771"/>
               <a:ext cx="8469" cy="61401"/>
             </a:xfrm>
             <a:custGeom>
@@ -11936,7 +11936,7 @@
           </p:nvSpPr>
           <p:spPr>
             <a:xfrm>
-              <a:off x="6235753" y="2821328"/>
+              <a:off x="6235092" y="2822501"/>
               <a:ext cx="38111" cy="94430"/>
             </a:xfrm>
             <a:custGeom>
@@ -12153,7 +12153,7 @@
           </p:nvSpPr>
           <p:spPr>
             <a:xfrm>
-              <a:off x="4763312" y="3319785"/>
+              <a:off x="4762258" y="3321408"/>
               <a:ext cx="51238" cy="13974"/>
             </a:xfrm>
             <a:custGeom>
@@ -12250,7 +12250,7 @@
           </p:nvSpPr>
           <p:spPr>
             <a:xfrm>
-              <a:off x="4801000" y="3335029"/>
+              <a:off x="4799946" y="3336652"/>
               <a:ext cx="15667" cy="20749"/>
             </a:xfrm>
             <a:custGeom>
@@ -12347,7 +12347,7 @@
           </p:nvSpPr>
           <p:spPr>
             <a:xfrm>
-              <a:off x="4783215" y="3336723"/>
+              <a:off x="4782160" y="3338346"/>
               <a:ext cx="10586" cy="19055"/>
             </a:xfrm>
             <a:custGeom>
@@ -12444,7 +12444,7 @@
           </p:nvSpPr>
           <p:spPr>
             <a:xfrm>
-              <a:off x="4762465" y="3337993"/>
+              <a:off x="4761411" y="3339616"/>
               <a:ext cx="14820" cy="18208"/>
             </a:xfrm>
             <a:custGeom>
@@ -12541,7 +12541,7 @@
           </p:nvSpPr>
           <p:spPr>
             <a:xfrm>
-              <a:off x="4760771" y="3359590"/>
+              <a:off x="4759717" y="3361213"/>
               <a:ext cx="58013" cy="58437"/>
             </a:xfrm>
             <a:custGeom>
@@ -12881,7 +12881,7 @@
           </p:nvSpPr>
           <p:spPr>
             <a:xfrm>
-              <a:off x="4822596" y="3320632"/>
+              <a:off x="4821542" y="3322255"/>
               <a:ext cx="34723" cy="95701"/>
             </a:xfrm>
             <a:custGeom>
@@ -13164,7 +13164,7 @@
           </p:nvSpPr>
           <p:spPr>
             <a:xfrm>
-              <a:off x="4868330" y="3323596"/>
+              <a:off x="4867275" y="3325219"/>
               <a:ext cx="43616" cy="94430"/>
             </a:xfrm>
             <a:custGeom>
@@ -13243,7 +13243,7 @@
           </p:nvSpPr>
           <p:spPr>
             <a:xfrm>
-              <a:off x="4887809" y="3331218"/>
+              <a:off x="4886754" y="3332841"/>
               <a:ext cx="3811" cy="10162"/>
             </a:xfrm>
             <a:custGeom>
@@ -13286,7 +13286,7 @@
           </p:nvSpPr>
           <p:spPr>
             <a:xfrm>
-              <a:off x="4878069" y="3348580"/>
+              <a:off x="4877015" y="3350203"/>
               <a:ext cx="23713" cy="40228"/>
             </a:xfrm>
             <a:custGeom>
@@ -13428,7 +13428,7 @@
           </p:nvSpPr>
           <p:spPr>
             <a:xfrm>
-              <a:off x="4897972" y="3348580"/>
+              <a:off x="4896917" y="3350203"/>
               <a:ext cx="3811" cy="23290"/>
             </a:xfrm>
             <a:custGeom>
@@ -13525,7 +13525,7 @@
           </p:nvSpPr>
           <p:spPr>
             <a:xfrm>
-              <a:off x="4878069" y="3348580"/>
+              <a:off x="4877015" y="3350203"/>
               <a:ext cx="3811" cy="26254"/>
             </a:xfrm>
             <a:custGeom>
@@ -13595,7 +13595,7 @@
           </p:nvSpPr>
           <p:spPr>
             <a:xfrm>
-              <a:off x="4878069" y="3396430"/>
+              <a:off x="4877015" y="3398053"/>
               <a:ext cx="23713" cy="8469"/>
             </a:xfrm>
             <a:custGeom>
@@ -13638,7 +13638,7 @@
           </p:nvSpPr>
           <p:spPr>
             <a:xfrm>
-              <a:off x="4914486" y="3319785"/>
+              <a:off x="4913432" y="3321408"/>
               <a:ext cx="50391" cy="31335"/>
             </a:xfrm>
             <a:custGeom>
@@ -13864,7 +13864,7 @@
           </p:nvSpPr>
           <p:spPr>
             <a:xfrm>
-              <a:off x="4943705" y="3349427"/>
+              <a:off x="4942651" y="3351050"/>
               <a:ext cx="22866" cy="20325"/>
             </a:xfrm>
             <a:custGeom>
@@ -13961,7 +13961,7 @@
           </p:nvSpPr>
           <p:spPr>
             <a:xfrm>
-              <a:off x="4910675" y="3351544"/>
+              <a:off x="4909621" y="3353167"/>
               <a:ext cx="19479" cy="22019"/>
             </a:xfrm>
             <a:custGeom>
@@ -14058,7 +14058,7 @@
           </p:nvSpPr>
           <p:spPr>
             <a:xfrm>
-              <a:off x="4910252" y="3363401"/>
+              <a:off x="4909198" y="3365024"/>
               <a:ext cx="56319" cy="55049"/>
             </a:xfrm>
             <a:custGeom>
@@ -14407,7 +14407,7 @@
           </p:nvSpPr>
           <p:spPr>
             <a:xfrm>
-              <a:off x="4930154" y="3379069"/>
+              <a:off x="4929100" y="3380692"/>
               <a:ext cx="19902" cy="16514"/>
             </a:xfrm>
             <a:custGeom>
@@ -14504,7 +14504,7 @@
           </p:nvSpPr>
           <p:spPr>
             <a:xfrm>
-              <a:off x="4977581" y="3320632"/>
+              <a:off x="4976527" y="3322255"/>
               <a:ext cx="95701" cy="22019"/>
             </a:xfrm>
             <a:custGeom>
@@ -14595,7 +14595,7 @@
           </p:nvSpPr>
           <p:spPr>
             <a:xfrm>
-              <a:off x="4983933" y="3345615"/>
+              <a:off x="4982879" y="3347239"/>
               <a:ext cx="82997" cy="72411"/>
             </a:xfrm>
             <a:custGeom>
@@ -14650,7 +14650,7 @@
           </p:nvSpPr>
           <p:spPr>
             <a:xfrm>
-              <a:off x="4992402" y="3353238"/>
+              <a:off x="4991348" y="3354861"/>
               <a:ext cx="66059" cy="52932"/>
             </a:xfrm>
             <a:custGeom>
@@ -14693,7 +14693,7 @@
           </p:nvSpPr>
           <p:spPr>
             <a:xfrm>
-              <a:off x="4996637" y="3356625"/>
+              <a:off x="4995583" y="3358249"/>
               <a:ext cx="57166" cy="47003"/>
             </a:xfrm>
             <a:custGeom>
@@ -14862,7 +14862,7 @@
           </p:nvSpPr>
           <p:spPr>
             <a:xfrm>
-              <a:off x="5033901" y="3383727"/>
+              <a:off x="5032847" y="3385350"/>
               <a:ext cx="17785" cy="17361"/>
             </a:xfrm>
             <a:custGeom>
@@ -14959,7 +14959,7 @@
           </p:nvSpPr>
           <p:spPr>
             <a:xfrm>
-              <a:off x="5083446" y="3320208"/>
+              <a:off x="5082392" y="3321831"/>
               <a:ext cx="42345" cy="47850"/>
             </a:xfrm>
             <a:custGeom>
@@ -15188,7 +15188,7 @@
           </p:nvSpPr>
           <p:spPr>
             <a:xfrm>
-              <a:off x="5099961" y="3355778"/>
+              <a:off x="5098906" y="3357402"/>
               <a:ext cx="21172" cy="61401"/>
             </a:xfrm>
             <a:custGeom>
@@ -15294,7 +15294,7 @@
           </p:nvSpPr>
           <p:spPr>
             <a:xfrm>
-              <a:off x="5127909" y="3319785"/>
+              <a:off x="5126855" y="3321408"/>
               <a:ext cx="51238" cy="47003"/>
             </a:xfrm>
             <a:custGeom>
@@ -15523,7 +15523,7 @@
           </p:nvSpPr>
           <p:spPr>
             <a:xfrm>
-              <a:off x="5126215" y="3351120"/>
+              <a:off x="5125161" y="3352744"/>
               <a:ext cx="57166" cy="66906"/>
             </a:xfrm>
             <a:custGeom>
@@ -15746,7 +15746,7 @@
           </p:nvSpPr>
           <p:spPr>
             <a:xfrm>
-              <a:off x="5245630" y="3320632"/>
+              <a:off x="5244576" y="3322255"/>
               <a:ext cx="47427" cy="97395"/>
             </a:xfrm>
             <a:custGeom>
@@ -15813,7 +15813,7 @@
           </p:nvSpPr>
           <p:spPr>
             <a:xfrm>
-              <a:off x="5248594" y="3328677"/>
+              <a:off x="5247540" y="3330300"/>
               <a:ext cx="21172" cy="21172"/>
             </a:xfrm>
             <a:custGeom>
@@ -15910,7 +15910,7 @@
           </p:nvSpPr>
           <p:spPr>
             <a:xfrm>
-              <a:off x="5243513" y="3353661"/>
+              <a:off x="5242458" y="3355284"/>
               <a:ext cx="22443" cy="21596"/>
             </a:xfrm>
             <a:custGeom>
@@ -16007,7 +16007,7 @@
           </p:nvSpPr>
           <p:spPr>
             <a:xfrm>
-              <a:off x="5192698" y="3320632"/>
+              <a:off x="5191643" y="3322255"/>
               <a:ext cx="45733" cy="97818"/>
             </a:xfrm>
             <a:custGeom>
@@ -16203,7 +16203,7 @@
           </p:nvSpPr>
           <p:spPr>
             <a:xfrm>
-              <a:off x="5196085" y="3327830"/>
+              <a:off x="5195031" y="3329453"/>
               <a:ext cx="13127" cy="23290"/>
             </a:xfrm>
             <a:custGeom>
@@ -16300,7 +16300,7 @@
           </p:nvSpPr>
           <p:spPr>
             <a:xfrm>
-              <a:off x="5224880" y="3327830"/>
+              <a:off x="5223826" y="3329453"/>
               <a:ext cx="14397" cy="23713"/>
             </a:xfrm>
             <a:custGeom>
@@ -16397,7 +16397,7 @@
           </p:nvSpPr>
           <p:spPr>
             <a:xfrm>
-              <a:off x="3650961" y="3818569"/>
+              <a:off x="3649628" y="3820643"/>
               <a:ext cx="96548" cy="94430"/>
             </a:xfrm>
             <a:custGeom>
@@ -16506,7 +16506,7 @@
           </p:nvSpPr>
           <p:spPr>
             <a:xfrm>
-              <a:off x="3668323" y="3834660"/>
+              <a:off x="3666989" y="3836734"/>
               <a:ext cx="77916" cy="73681"/>
             </a:xfrm>
             <a:custGeom>
@@ -16585,7 +16585,7 @@
           </p:nvSpPr>
           <p:spPr>
             <a:xfrm>
-              <a:off x="3719984" y="3870654"/>
+              <a:off x="3718651" y="3872728"/>
               <a:ext cx="20325" cy="22866"/>
             </a:xfrm>
             <a:custGeom>
@@ -16682,7 +16682,7 @@
           </p:nvSpPr>
           <p:spPr>
             <a:xfrm>
-              <a:off x="3759789" y="3816028"/>
+              <a:off x="3758456" y="3818102"/>
               <a:ext cx="92313" cy="96548"/>
             </a:xfrm>
             <a:custGeom>
@@ -16824,7 +16824,7 @@
           </p:nvSpPr>
           <p:spPr>
             <a:xfrm>
-              <a:off x="3868194" y="3815181"/>
+              <a:off x="3866861" y="3817255"/>
               <a:ext cx="38111" cy="97395"/>
             </a:xfrm>
             <a:custGeom>
@@ -17020,7 +17020,7 @@
           </p:nvSpPr>
           <p:spPr>
             <a:xfrm>
-              <a:off x="3870735" y="3822380"/>
+              <a:off x="3869402" y="3824454"/>
               <a:ext cx="11009" cy="23290"/>
             </a:xfrm>
             <a:custGeom>
@@ -17117,7 +17117,7 @@
           </p:nvSpPr>
           <p:spPr>
             <a:xfrm>
-              <a:off x="3894449" y="3822380"/>
+              <a:off x="3893115" y="3824454"/>
               <a:ext cx="12703" cy="23713"/>
             </a:xfrm>
             <a:custGeom>
@@ -17214,7 +17214,7 @@
           </p:nvSpPr>
           <p:spPr>
             <a:xfrm>
-              <a:off x="3901648" y="3814335"/>
+              <a:off x="3900314" y="3816409"/>
               <a:ext cx="65212" cy="98242"/>
             </a:xfrm>
             <a:custGeom>
@@ -17461,7 +17461,7 @@
           </p:nvSpPr>
           <p:spPr>
             <a:xfrm>
-              <a:off x="3918162" y="3830849"/>
+              <a:off x="3916829" y="3832923"/>
               <a:ext cx="18208" cy="21596"/>
             </a:xfrm>
             <a:custGeom>
@@ -17516,7 +17516,7 @@
           </p:nvSpPr>
           <p:spPr>
             <a:xfrm>
-              <a:off x="3944417" y="3844823"/>
+              <a:off x="3943083" y="3846897"/>
               <a:ext cx="9316" cy="7622"/>
             </a:xfrm>
             <a:custGeom>
@@ -17559,7 +17559,7 @@
           </p:nvSpPr>
           <p:spPr>
             <a:xfrm>
-              <a:off x="3944417" y="3859644"/>
+              <a:off x="3943083" y="3861718"/>
               <a:ext cx="9316" cy="8045"/>
             </a:xfrm>
             <a:custGeom>
@@ -17602,7 +17602,7 @@
           </p:nvSpPr>
           <p:spPr>
             <a:xfrm>
-              <a:off x="3929172" y="3888440"/>
+              <a:off x="3927839" y="3890514"/>
               <a:ext cx="24983" cy="12280"/>
             </a:xfrm>
             <a:custGeom>
@@ -17645,7 +17645,7 @@
           </p:nvSpPr>
           <p:spPr>
             <a:xfrm>
-              <a:off x="3977446" y="3818993"/>
+              <a:off x="3976113" y="3821067"/>
               <a:ext cx="96971" cy="94007"/>
             </a:xfrm>
             <a:custGeom>
@@ -17850,7 +17850,7 @@
           </p:nvSpPr>
           <p:spPr>
             <a:xfrm>
-              <a:off x="3996502" y="3827038"/>
+              <a:off x="3995168" y="3829112"/>
               <a:ext cx="24983" cy="10586"/>
             </a:xfrm>
             <a:custGeom>
@@ -17893,7 +17893,7 @@
           </p:nvSpPr>
           <p:spPr>
             <a:xfrm>
-              <a:off x="4029955" y="3827038"/>
+              <a:off x="4028622" y="3829112"/>
               <a:ext cx="25407" cy="10586"/>
             </a:xfrm>
             <a:custGeom>
@@ -17936,7 +17936,7 @@
           </p:nvSpPr>
           <p:spPr>
             <a:xfrm>
-              <a:off x="3996502" y="3844823"/>
+              <a:off x="3995168" y="3846897"/>
               <a:ext cx="24983" cy="10162"/>
             </a:xfrm>
             <a:custGeom>
@@ -17979,7 +17979,7 @@
           </p:nvSpPr>
           <p:spPr>
             <a:xfrm>
-              <a:off x="4029955" y="3844823"/>
+              <a:off x="4028622" y="3846897"/>
               <a:ext cx="25407" cy="10162"/>
             </a:xfrm>
             <a:custGeom>
@@ -18022,7 +18022,7 @@
           </p:nvSpPr>
           <p:spPr>
             <a:xfrm>
-              <a:off x="3177506" y="4310155"/>
+              <a:off x="3176053" y="4312680"/>
               <a:ext cx="96971" cy="73258"/>
             </a:xfrm>
             <a:custGeom>
@@ -18113,7 +18113,7 @@
           </p:nvSpPr>
           <p:spPr>
             <a:xfrm>
-              <a:off x="3206301" y="4330481"/>
+              <a:off x="3204848" y="4333006"/>
               <a:ext cx="41498" cy="10162"/>
             </a:xfrm>
             <a:custGeom>
@@ -18156,7 +18156,7 @@
           </p:nvSpPr>
           <p:spPr>
             <a:xfrm>
-              <a:off x="3206301" y="4347842"/>
+              <a:off x="3204848" y="4350367"/>
               <a:ext cx="41498" cy="11009"/>
             </a:xfrm>
             <a:custGeom>
@@ -18199,7 +18199,7 @@
           </p:nvSpPr>
           <p:spPr>
             <a:xfrm>
-              <a:off x="3206301" y="4366051"/>
+              <a:off x="3204848" y="4368576"/>
               <a:ext cx="41498" cy="9739"/>
             </a:xfrm>
             <a:custGeom>
@@ -18242,7 +18242,7 @@
           </p:nvSpPr>
           <p:spPr>
             <a:xfrm>
-              <a:off x="3179199" y="4386377"/>
+              <a:off x="3177746" y="4388902"/>
               <a:ext cx="37264" cy="21172"/>
             </a:xfrm>
             <a:custGeom>
@@ -18339,7 +18339,7 @@
           </p:nvSpPr>
           <p:spPr>
             <a:xfrm>
-              <a:off x="3235519" y="4386377"/>
+              <a:off x="3234066" y="4388902"/>
               <a:ext cx="37687" cy="21172"/>
             </a:xfrm>
             <a:custGeom>
@@ -18436,7 +18436,7 @@
           </p:nvSpPr>
           <p:spPr>
             <a:xfrm>
-              <a:off x="3284640" y="4309731"/>
+              <a:off x="3283187" y="4312256"/>
               <a:ext cx="29641" cy="97395"/>
             </a:xfrm>
             <a:custGeom>
@@ -18572,7 +18572,7 @@
           </p:nvSpPr>
           <p:spPr>
             <a:xfrm>
-              <a:off x="3310471" y="4310578"/>
+              <a:off x="3309018" y="4313103"/>
               <a:ext cx="72411" cy="94430"/>
             </a:xfrm>
             <a:custGeom>
@@ -19116,7 +19116,7 @@
           </p:nvSpPr>
           <p:spPr>
             <a:xfrm>
-              <a:off x="3393045" y="4361817"/>
+              <a:off x="3391592" y="4364341"/>
               <a:ext cx="98665" cy="45309"/>
             </a:xfrm>
             <a:custGeom>
@@ -19384,7 +19384,7 @@
           </p:nvSpPr>
           <p:spPr>
             <a:xfrm>
-              <a:off x="3397280" y="4308884"/>
+              <a:off x="3395827" y="4311409"/>
               <a:ext cx="90619" cy="52932"/>
             </a:xfrm>
             <a:custGeom>
@@ -19514,7 +19514,7 @@
           </p:nvSpPr>
           <p:spPr>
             <a:xfrm>
-              <a:off x="3408713" y="4309731"/>
+              <a:off x="3407260" y="4312256"/>
               <a:ext cx="19479" cy="17785"/>
             </a:xfrm>
             <a:custGeom>
@@ -19611,7 +19611,7 @@
           </p:nvSpPr>
           <p:spPr>
             <a:xfrm>
-              <a:off x="3456564" y="4309731"/>
+              <a:off x="3455111" y="4312256"/>
               <a:ext cx="19055" cy="17785"/>
             </a:xfrm>
             <a:custGeom>
@@ -19708,7 +19708,7 @@
           </p:nvSpPr>
           <p:spPr>
             <a:xfrm>
-              <a:off x="3452753" y="4340220"/>
+              <a:off x="3451300" y="4342745"/>
               <a:ext cx="33029" cy="23290"/>
             </a:xfrm>
             <a:custGeom>
@@ -19778,7 +19778,7 @@
           </p:nvSpPr>
           <p:spPr>
             <a:xfrm>
-              <a:off x="3502721" y="4369015"/>
+              <a:off x="3501268" y="4371540"/>
               <a:ext cx="96971" cy="35146"/>
             </a:xfrm>
             <a:custGeom>
@@ -19857,7 +19857,7 @@
           </p:nvSpPr>
           <p:spPr>
             <a:xfrm>
-              <a:off x="3503991" y="4313542"/>
+              <a:off x="3502538" y="4316067"/>
               <a:ext cx="55896" cy="55896"/>
             </a:xfrm>
             <a:custGeom>
@@ -20002,7 +20002,7 @@
           </p:nvSpPr>
           <p:spPr>
             <a:xfrm>
-              <a:off x="3525587" y="4321165"/>
+              <a:off x="3524134" y="4323690"/>
               <a:ext cx="13550" cy="15244"/>
             </a:xfrm>
             <a:custGeom>
@@ -20045,7 +20045,7 @@
           </p:nvSpPr>
           <p:spPr>
             <a:xfrm>
-              <a:off x="3570050" y="4311425"/>
+              <a:off x="3568597" y="4313950"/>
               <a:ext cx="22866" cy="60130"/>
             </a:xfrm>
             <a:custGeom>
@@ -20268,7 +20268,7 @@
           </p:nvSpPr>
           <p:spPr>
             <a:xfrm>
-              <a:off x="3565392" y="4317354"/>
+              <a:off x="3563939" y="4319878"/>
               <a:ext cx="8469" cy="38958"/>
             </a:xfrm>
             <a:custGeom>
@@ -20311,7 +20311,7 @@
           </p:nvSpPr>
           <p:spPr>
             <a:xfrm>
-              <a:off x="3647119" y="4319894"/>
+              <a:off x="3645666" y="4322419"/>
               <a:ext cx="38111" cy="94430"/>
             </a:xfrm>
             <a:custGeom>
@@ -20528,7 +20528,7 @@
           </p:nvSpPr>
           <p:spPr>
             <a:xfrm>
-              <a:off x="3727576" y="4309731"/>
+              <a:off x="3726123" y="4312256"/>
               <a:ext cx="18632" cy="22443"/>
             </a:xfrm>
             <a:custGeom>
@@ -20625,7 +20625,7 @@
           </p:nvSpPr>
           <p:spPr>
             <a:xfrm>
-              <a:off x="3719531" y="4341067"/>
+              <a:off x="3718078" y="4343592"/>
               <a:ext cx="32606" cy="60554"/>
             </a:xfrm>
             <a:custGeom>
@@ -20710,7 +20710,7 @@
           </p:nvSpPr>
           <p:spPr>
             <a:xfrm>
-              <a:off x="3747479" y="4309731"/>
+              <a:off x="3746026" y="4312256"/>
               <a:ext cx="69446" cy="41498"/>
             </a:xfrm>
             <a:custGeom>
@@ -20813,7 +20813,7 @@
           </p:nvSpPr>
           <p:spPr>
             <a:xfrm>
-              <a:off x="3755101" y="4358005"/>
+              <a:off x="3753648" y="4360530"/>
               <a:ext cx="53779" cy="49121"/>
             </a:xfrm>
             <a:custGeom>
@@ -21018,7 +21018,7 @@
           </p:nvSpPr>
           <p:spPr>
             <a:xfrm>
-              <a:off x="3763570" y="4364781"/>
+              <a:off x="3762117" y="4367306"/>
               <a:ext cx="36840" cy="6775"/>
             </a:xfrm>
             <a:custGeom>
@@ -21061,7 +21061,7 @@
           </p:nvSpPr>
           <p:spPr>
             <a:xfrm>
-              <a:off x="3763570" y="4378331"/>
+              <a:off x="3762117" y="4380856"/>
               <a:ext cx="36840" cy="6775"/>
             </a:xfrm>
             <a:custGeom>
@@ -21104,7 +21104,7 @@
           </p:nvSpPr>
           <p:spPr>
             <a:xfrm>
-              <a:off x="3831747" y="4310578"/>
+              <a:off x="3830294" y="4313103"/>
               <a:ext cx="22866" cy="19479"/>
             </a:xfrm>
             <a:custGeom>
@@ -21201,7 +21201,7 @@
           </p:nvSpPr>
           <p:spPr>
             <a:xfrm>
-              <a:off x="3827512" y="4336833"/>
+              <a:off x="3826059" y="4339357"/>
               <a:ext cx="21596" cy="17785"/>
             </a:xfrm>
             <a:custGeom>
@@ -21298,7 +21298,7 @@
           </p:nvSpPr>
           <p:spPr>
             <a:xfrm>
-              <a:off x="3827089" y="4363510"/>
+              <a:off x="3825636" y="4366035"/>
               <a:ext cx="23290" cy="43616"/>
             </a:xfrm>
             <a:custGeom>
@@ -21395,7 +21395,7 @@
           </p:nvSpPr>
           <p:spPr>
             <a:xfrm>
-              <a:off x="3879174" y="4309731"/>
+              <a:off x="3877721" y="4312256"/>
               <a:ext cx="17361" cy="17361"/>
             </a:xfrm>
             <a:custGeom>
@@ -21492,7 +21492,7 @@
           </p:nvSpPr>
           <p:spPr>
             <a:xfrm>
-              <a:off x="3854190" y="4330057"/>
+              <a:off x="3852737" y="4332582"/>
               <a:ext cx="71140" cy="72834"/>
             </a:xfrm>
             <a:custGeom>
@@ -21583,7 +21583,7 @@
           </p:nvSpPr>
           <p:spPr>
             <a:xfrm>
-              <a:off x="3940575" y="4317777"/>
+              <a:off x="3939122" y="4320302"/>
               <a:ext cx="34723" cy="77916"/>
             </a:xfrm>
             <a:custGeom>
@@ -21632,7 +21632,7 @@
           </p:nvSpPr>
           <p:spPr>
             <a:xfrm>
-              <a:off x="3949044" y="4325823"/>
+              <a:off x="3947591" y="4328348"/>
               <a:ext cx="17785" cy="22866"/>
             </a:xfrm>
             <a:custGeom>
@@ -21675,7 +21675,7 @@
           </p:nvSpPr>
           <p:spPr>
             <a:xfrm>
-              <a:off x="3949044" y="4355888"/>
+              <a:off x="3947591" y="4358413"/>
               <a:ext cx="17785" cy="22866"/>
             </a:xfrm>
             <a:custGeom>
@@ -21718,7 +21718,7 @@
           </p:nvSpPr>
           <p:spPr>
             <a:xfrm>
-              <a:off x="3976146" y="4312272"/>
+              <a:off x="3974693" y="4314797"/>
               <a:ext cx="54202" cy="94854"/>
             </a:xfrm>
             <a:custGeom>
@@ -22010,7 +22010,7 @@
           </p:nvSpPr>
           <p:spPr>
             <a:xfrm>
-              <a:off x="3993931" y="4319471"/>
+              <a:off x="3992478" y="4321996"/>
               <a:ext cx="28371" cy="19479"/>
             </a:xfrm>
             <a:custGeom>
@@ -22053,7 +22053,7 @@
           </p:nvSpPr>
           <p:spPr>
             <a:xfrm>
-              <a:off x="3993931" y="4346572"/>
+              <a:off x="3992478" y="4349097"/>
               <a:ext cx="28371" cy="19479"/>
             </a:xfrm>
             <a:custGeom>
@@ -22099,7 +22099,7 @@
           </p:nvSpPr>
           <p:spPr>
             <a:xfrm>
-              <a:off x="4068036" y="4319894"/>
+              <a:off x="4066583" y="4322419"/>
               <a:ext cx="38111" cy="94430"/>
             </a:xfrm>
             <a:custGeom>
@@ -22316,7 +22316,7 @@
           </p:nvSpPr>
           <p:spPr>
             <a:xfrm>
-              <a:off x="3109688" y="4804281"/>
+              <a:off x="3108218" y="4807257"/>
               <a:ext cx="39804" cy="97395"/>
             </a:xfrm>
             <a:custGeom>
@@ -22602,7 +22602,7 @@
           </p:nvSpPr>
           <p:spPr>
             <a:xfrm>
-              <a:off x="3146952" y="4803434"/>
+              <a:off x="3145482" y="4806410"/>
               <a:ext cx="56319" cy="47003"/>
             </a:xfrm>
             <a:custGeom>
@@ -22831,7 +22831,7 @@
           </p:nvSpPr>
           <p:spPr>
             <a:xfrm>
-              <a:off x="3147375" y="4834770"/>
+              <a:off x="3145905" y="4837746"/>
               <a:ext cx="60554" cy="66906"/>
             </a:xfrm>
             <a:custGeom>
@@ -23054,7 +23054,7 @@
           </p:nvSpPr>
           <p:spPr>
             <a:xfrm>
-              <a:off x="3217246" y="4804281"/>
+              <a:off x="3215776" y="4807257"/>
               <a:ext cx="38111" cy="97395"/>
             </a:xfrm>
             <a:custGeom>
@@ -23250,7 +23250,7 @@
           </p:nvSpPr>
           <p:spPr>
             <a:xfrm>
-              <a:off x="3219787" y="4811480"/>
+              <a:off x="3218316" y="4814456"/>
               <a:ext cx="11009" cy="23290"/>
             </a:xfrm>
             <a:custGeom>
@@ -23347,7 +23347,7 @@
           </p:nvSpPr>
           <p:spPr>
             <a:xfrm>
-              <a:off x="3243500" y="4811480"/>
+              <a:off x="3242030" y="4814456"/>
               <a:ext cx="12703" cy="23713"/>
             </a:xfrm>
             <a:custGeom>
@@ -23444,7 +23444,7 @@
           </p:nvSpPr>
           <p:spPr>
             <a:xfrm>
-              <a:off x="3250699" y="4803434"/>
+              <a:off x="3249229" y="4806410"/>
               <a:ext cx="65212" cy="98242"/>
             </a:xfrm>
             <a:custGeom>
@@ -23691,7 +23691,7 @@
           </p:nvSpPr>
           <p:spPr>
             <a:xfrm>
-              <a:off x="3267214" y="4819949"/>
+              <a:off x="3265744" y="4822925"/>
               <a:ext cx="18208" cy="21596"/>
             </a:xfrm>
             <a:custGeom>
@@ -23746,7 +23746,7 @@
           </p:nvSpPr>
           <p:spPr>
             <a:xfrm>
-              <a:off x="3293468" y="4833923"/>
+              <a:off x="3291998" y="4836899"/>
               <a:ext cx="9316" cy="7622"/>
             </a:xfrm>
             <a:custGeom>
@@ -23789,7 +23789,7 @@
           </p:nvSpPr>
           <p:spPr>
             <a:xfrm>
-              <a:off x="3293468" y="4848744"/>
+              <a:off x="3291998" y="4851720"/>
               <a:ext cx="9316" cy="8045"/>
             </a:xfrm>
             <a:custGeom>
@@ -23832,7 +23832,7 @@
           </p:nvSpPr>
           <p:spPr>
             <a:xfrm>
-              <a:off x="3278224" y="4877539"/>
+              <a:off x="3276753" y="4880515"/>
               <a:ext cx="24983" cy="12280"/>
             </a:xfrm>
             <a:custGeom>
@@ -23875,7 +23875,7 @@
           </p:nvSpPr>
           <p:spPr>
             <a:xfrm>
-              <a:off x="2661379" y="5299678"/>
+              <a:off x="2659795" y="5303105"/>
               <a:ext cx="20749" cy="16938"/>
             </a:xfrm>
             <a:custGeom>
@@ -23972,7 +23972,7 @@
           </p:nvSpPr>
           <p:spPr>
             <a:xfrm>
-              <a:off x="2657145" y="5325932"/>
+              <a:off x="2655560" y="5329359"/>
               <a:ext cx="21596" cy="17785"/>
             </a:xfrm>
             <a:custGeom>
@@ -24069,7 +24069,7 @@
           </p:nvSpPr>
           <p:spPr>
             <a:xfrm>
-              <a:off x="2657991" y="5351763"/>
+              <a:off x="2656407" y="5355190"/>
               <a:ext cx="27101" cy="44039"/>
             </a:xfrm>
             <a:custGeom>
@@ -24166,7 +24166,7 @@
           </p:nvSpPr>
           <p:spPr>
             <a:xfrm>
-              <a:off x="2688904" y="5297984"/>
+              <a:off x="2687320" y="5301411"/>
               <a:ext cx="63942" cy="98242"/>
             </a:xfrm>
             <a:custGeom>
@@ -24563,7 +24563,7 @@
           </p:nvSpPr>
           <p:spPr>
             <a:xfrm>
-              <a:off x="2707536" y="5314499"/>
+              <a:off x="2705952" y="5317926"/>
               <a:ext cx="27524" cy="12280"/>
             </a:xfrm>
             <a:custGeom>
@@ -24660,7 +24660,7 @@
           </p:nvSpPr>
           <p:spPr>
             <a:xfrm>
-              <a:off x="2713464" y="5365737"/>
+              <a:off x="2711880" y="5369164"/>
               <a:ext cx="14820" cy="9739"/>
             </a:xfrm>
             <a:custGeom>
@@ -24703,7 +24703,7 @@
           </p:nvSpPr>
           <p:spPr>
             <a:xfrm>
-              <a:off x="2765973" y="5298408"/>
+              <a:off x="2764389" y="5301834"/>
               <a:ext cx="62248" cy="54625"/>
             </a:xfrm>
             <a:custGeom>
@@ -25064,7 +25064,7 @@
           </p:nvSpPr>
           <p:spPr>
             <a:xfrm>
-              <a:off x="2808319" y="5351340"/>
+              <a:off x="2806735" y="5354766"/>
               <a:ext cx="8469" cy="45309"/>
             </a:xfrm>
             <a:custGeom>
@@ -25107,7 +25107,7 @@
           </p:nvSpPr>
           <p:spPr>
             <a:xfrm>
-              <a:off x="2768937" y="5352187"/>
+              <a:off x="2767353" y="5355613"/>
               <a:ext cx="22866" cy="44462"/>
             </a:xfrm>
             <a:custGeom>
@@ -25264,7 +25264,7 @@
           </p:nvSpPr>
           <p:spPr>
             <a:xfrm>
-              <a:off x="2833726" y="5299255"/>
+              <a:off x="2832142" y="5302681"/>
               <a:ext cx="26254" cy="96971"/>
             </a:xfrm>
             <a:custGeom>
@@ -25457,7 +25457,7 @@
           </p:nvSpPr>
           <p:spPr>
             <a:xfrm>
-              <a:off x="2832879" y="5310265"/>
+              <a:off x="2831295" y="5313691"/>
               <a:ext cx="8469" cy="61401"/>
             </a:xfrm>
             <a:custGeom>
@@ -25500,8 +25500,8 @@
           </p:nvSpPr>
           <p:spPr>
             <a:xfrm>
-              <a:off x="2019661" y="1590617"/>
-              <a:ext cx="6917431" cy="4055309"/>
+              <a:off x="2017917" y="1590617"/>
+              <a:ext cx="6919174" cy="4059006"/>
             </a:xfrm>
             <a:prstGeom prst="rect">
               <a:avLst/>
@@ -25530,7 +25530,7 @@
           </p:nvSpPr>
           <p:spPr>
             <a:xfrm>
-              <a:off x="1926258" y="5309605"/>
+              <a:off x="1924514" y="5313032"/>
               <a:ext cx="55170" cy="79126"/>
             </a:xfrm>
             <a:custGeom>
@@ -26527,7 +26527,7 @@
           </p:nvSpPr>
           <p:spPr>
             <a:xfrm>
-              <a:off x="1943720" y="5320356"/>
+              <a:off x="1941977" y="5323782"/>
               <a:ext cx="20027" cy="21555"/>
             </a:xfrm>
             <a:custGeom>
@@ -27038,7 +27038,7 @@
           </p:nvSpPr>
           <p:spPr>
             <a:xfrm>
-              <a:off x="1942028" y="5352661"/>
+              <a:off x="1940285" y="5356088"/>
               <a:ext cx="23519" cy="25266"/>
             </a:xfrm>
             <a:custGeom>
@@ -27549,7 +27549,7 @@
           </p:nvSpPr>
           <p:spPr>
             <a:xfrm>
-              <a:off x="1927513" y="4816201"/>
+              <a:off x="1925769" y="4819177"/>
               <a:ext cx="52442" cy="76889"/>
             </a:xfrm>
             <a:custGeom>
@@ -27835,7 +27835,7 @@
           </p:nvSpPr>
           <p:spPr>
             <a:xfrm>
-              <a:off x="1926803" y="4320506"/>
+              <a:off x="1925060" y="4323030"/>
               <a:ext cx="54024" cy="79126"/>
             </a:xfrm>
             <a:custGeom>
@@ -28529,7 +28529,7 @@
           </p:nvSpPr>
           <p:spPr>
             <a:xfrm>
-              <a:off x="1942902" y="4360342"/>
+              <a:off x="1941158" y="4362867"/>
               <a:ext cx="22537" cy="27339"/>
             </a:xfrm>
             <a:custGeom>
@@ -28980,7 +28980,7 @@
           </p:nvSpPr>
           <p:spPr>
             <a:xfrm>
-              <a:off x="1926148" y="3827102"/>
+              <a:off x="1924405" y="3829176"/>
               <a:ext cx="55607" cy="77980"/>
             </a:xfrm>
             <a:custGeom>
@@ -29812,7 +29812,7 @@
           </p:nvSpPr>
           <p:spPr>
             <a:xfrm>
-              <a:off x="1924402" y="3332552"/>
+              <a:off x="1922659" y="3334175"/>
               <a:ext cx="59863" cy="76889"/>
             </a:xfrm>
             <a:custGeom>
@@ -29876,7 +29876,7 @@
           </p:nvSpPr>
           <p:spPr>
             <a:xfrm>
-              <a:off x="1936899" y="3346538"/>
+              <a:off x="1935155" y="3348161"/>
               <a:ext cx="22952" cy="35836"/>
             </a:xfrm>
             <a:custGeom>
@@ -30153,7 +30153,7 @@
           </p:nvSpPr>
           <p:spPr>
             <a:xfrm>
-              <a:off x="1925275" y="2836856"/>
+              <a:off x="1923532" y="2838028"/>
               <a:ext cx="55552" cy="79290"/>
             </a:xfrm>
             <a:custGeom>
@@ -31076,7 +31076,7 @@
                     <a:pt x="26919" y="13"/>
                   </a:lnTo>
                   <a:lnTo>
-                    <a:pt x="27939" y="0"/>
+                    <a:pt x="27940" y="0"/>
                   </a:lnTo>
                   <a:lnTo>
                     <a:pt x="29274" y="16"/>
@@ -31462,7 +31462,7 @@
           </p:nvSpPr>
           <p:spPr>
             <a:xfrm>
-              <a:off x="1926585" y="2342306"/>
+              <a:off x="1924841" y="2343027"/>
               <a:ext cx="53806" cy="78035"/>
             </a:xfrm>
             <a:custGeom>
@@ -32228,7 +32228,7 @@
           </p:nvSpPr>
           <p:spPr>
             <a:xfrm>
-              <a:off x="1929750" y="1848902"/>
+              <a:off x="1928007" y="1849172"/>
               <a:ext cx="52005" cy="76889"/>
             </a:xfrm>
             <a:custGeom>
@@ -32292,7 +32292,7 @@
           </p:nvSpPr>
           <p:spPr>
             <a:xfrm>
-              <a:off x="1984866" y="5349196"/>
+              <a:off x="1983123" y="5352623"/>
               <a:ext cx="34794" cy="0"/>
             </a:xfrm>
             <a:custGeom>
@@ -32332,7 +32332,7 @@
           </p:nvSpPr>
           <p:spPr>
             <a:xfrm>
-              <a:off x="1984866" y="4854646"/>
+              <a:off x="1983123" y="4857622"/>
               <a:ext cx="34794" cy="0"/>
             </a:xfrm>
             <a:custGeom>
@@ -32372,7 +32372,7 @@
           </p:nvSpPr>
           <p:spPr>
             <a:xfrm>
-              <a:off x="1984866" y="4360096"/>
+              <a:off x="1983123" y="4362621"/>
               <a:ext cx="34794" cy="0"/>
             </a:xfrm>
             <a:custGeom>
@@ -32412,7 +32412,7 @@
           </p:nvSpPr>
           <p:spPr>
             <a:xfrm>
-              <a:off x="1984866" y="3865546"/>
+              <a:off x="1983123" y="3867620"/>
               <a:ext cx="34794" cy="0"/>
             </a:xfrm>
             <a:custGeom>
@@ -32452,7 +32452,7 @@
           </p:nvSpPr>
           <p:spPr>
             <a:xfrm>
-              <a:off x="1984866" y="3370996"/>
+              <a:off x="1983123" y="3372620"/>
               <a:ext cx="34794" cy="0"/>
             </a:xfrm>
             <a:custGeom>
@@ -32492,7 +32492,7 @@
           </p:nvSpPr>
           <p:spPr>
             <a:xfrm>
-              <a:off x="1984866" y="2876447"/>
+              <a:off x="1983123" y="2877619"/>
               <a:ext cx="34794" cy="0"/>
             </a:xfrm>
             <a:custGeom>
@@ -32532,7 +32532,7 @@
           </p:nvSpPr>
           <p:spPr>
             <a:xfrm>
-              <a:off x="1984866" y="2381897"/>
+              <a:off x="1983123" y="2382618"/>
               <a:ext cx="34794" cy="0"/>
             </a:xfrm>
             <a:custGeom>
@@ -32572,7 +32572,7 @@
           </p:nvSpPr>
           <p:spPr>
             <a:xfrm>
-              <a:off x="1984866" y="1887347"/>
+              <a:off x="1983123" y="1887617"/>
               <a:ext cx="34794" cy="0"/>
             </a:xfrm>
             <a:custGeom>
@@ -32612,7 +32612,7 @@
           </p:nvSpPr>
           <p:spPr>
             <a:xfrm>
-              <a:off x="2019661" y="5645926"/>
+              <a:off x="2017917" y="5649623"/>
               <a:ext cx="0" cy="34794"/>
             </a:xfrm>
             <a:custGeom>
@@ -32652,7 +32652,7 @@
           </p:nvSpPr>
           <p:spPr>
             <a:xfrm>
-              <a:off x="4280259" y="5645926"/>
+              <a:off x="4279085" y="5649623"/>
               <a:ext cx="0" cy="34794"/>
             </a:xfrm>
             <a:custGeom>
@@ -32692,7 +32692,7 @@
           </p:nvSpPr>
           <p:spPr>
             <a:xfrm>
-              <a:off x="6540858" y="5645926"/>
+              <a:off x="6540254" y="5649623"/>
               <a:ext cx="0" cy="34794"/>
             </a:xfrm>
             <a:custGeom>
@@ -32732,7 +32732,7 @@
           </p:nvSpPr>
           <p:spPr>
             <a:xfrm>
-              <a:off x="8801456" y="5645926"/>
+              <a:off x="8801422" y="5649623"/>
               <a:ext cx="0" cy="34794"/>
             </a:xfrm>
             <a:custGeom>
@@ -32772,7 +32772,7 @@
           </p:nvSpPr>
           <p:spPr>
             <a:xfrm>
-              <a:off x="1992948" y="5707410"/>
+              <a:off x="1991205" y="5711107"/>
               <a:ext cx="53424" cy="79126"/>
             </a:xfrm>
             <a:custGeom>
@@ -33215,7 +33215,7 @@
                     <a:pt x="48312" y="12306"/>
                   </a:lnTo>
                   <a:lnTo>
-                    <a:pt x="48894" y="13492"/>
+                    <a:pt x="48895" y="13492"/>
                   </a:lnTo>
                   <a:lnTo>
                     <a:pt x="49447" y="14740"/>
@@ -33283,7 +33283,7 @@
           </p:nvSpPr>
           <p:spPr>
             <a:xfrm>
-              <a:off x="2002880" y="5715377"/>
+              <a:off x="2001137" y="5719075"/>
               <a:ext cx="33506" cy="63137"/>
             </a:xfrm>
             <a:custGeom>
@@ -33794,7 +33794,7 @@
           </p:nvSpPr>
           <p:spPr>
             <a:xfrm>
-              <a:off x="4195539" y="5708556"/>
+              <a:off x="4194365" y="5712253"/>
               <a:ext cx="48185" cy="76889"/>
             </a:xfrm>
             <a:custGeom>
@@ -33858,7 +33858,7 @@
           </p:nvSpPr>
           <p:spPr>
             <a:xfrm>
-              <a:off x="4253547" y="5707410"/>
+              <a:off x="4252373" y="5711107"/>
               <a:ext cx="53424" cy="79126"/>
             </a:xfrm>
             <a:custGeom>
@@ -34369,7 +34369,7 @@
           </p:nvSpPr>
           <p:spPr>
             <a:xfrm>
-              <a:off x="4263479" y="5715377"/>
+              <a:off x="4262305" y="5719075"/>
               <a:ext cx="33506" cy="63137"/>
             </a:xfrm>
             <a:custGeom>
@@ -34880,7 +34880,7 @@
           </p:nvSpPr>
           <p:spPr>
             <a:xfrm>
-              <a:off x="4315703" y="5707410"/>
+              <a:off x="4314529" y="5711107"/>
               <a:ext cx="53424" cy="79126"/>
             </a:xfrm>
             <a:custGeom>
@@ -35391,7 +35391,7 @@
           </p:nvSpPr>
           <p:spPr>
             <a:xfrm>
-              <a:off x="4325634" y="5715377"/>
+              <a:off x="4324461" y="5719075"/>
               <a:ext cx="33506" cy="63137"/>
             </a:xfrm>
             <a:custGeom>
@@ -35902,7 +35902,7 @@
           </p:nvSpPr>
           <p:spPr>
             <a:xfrm>
-              <a:off x="6453245" y="5707410"/>
+              <a:off x="6452641" y="5711107"/>
               <a:ext cx="50914" cy="78035"/>
             </a:xfrm>
             <a:custGeom>
@@ -36848,7 +36848,7 @@
           </p:nvSpPr>
           <p:spPr>
             <a:xfrm>
-              <a:off x="6514145" y="5707410"/>
+              <a:off x="6513541" y="5711107"/>
               <a:ext cx="53424" cy="79126"/>
             </a:xfrm>
             <a:custGeom>
@@ -37359,7 +37359,7 @@
           </p:nvSpPr>
           <p:spPr>
             <a:xfrm>
-              <a:off x="6524077" y="5715377"/>
+              <a:off x="6523473" y="5719075"/>
               <a:ext cx="33506" cy="63137"/>
             </a:xfrm>
             <a:custGeom>
@@ -37870,7 +37870,7 @@
           </p:nvSpPr>
           <p:spPr>
             <a:xfrm>
-              <a:off x="6576301" y="5707410"/>
+              <a:off x="6575697" y="5711107"/>
               <a:ext cx="53424" cy="79126"/>
             </a:xfrm>
             <a:custGeom>
@@ -38381,7 +38381,7 @@
           </p:nvSpPr>
           <p:spPr>
             <a:xfrm>
-              <a:off x="6586233" y="5715377"/>
+              <a:off x="6585629" y="5719075"/>
               <a:ext cx="33506" cy="63137"/>
             </a:xfrm>
             <a:custGeom>
@@ -38892,7 +38892,7 @@
           </p:nvSpPr>
           <p:spPr>
             <a:xfrm>
-              <a:off x="8712479" y="5707410"/>
+              <a:off x="8712445" y="5711107"/>
               <a:ext cx="52987" cy="79126"/>
             </a:xfrm>
             <a:custGeom>
@@ -40201,7 +40201,7 @@
           </p:nvSpPr>
           <p:spPr>
             <a:xfrm>
-              <a:off x="8774744" y="5707410"/>
+              <a:off x="8774710" y="5711107"/>
               <a:ext cx="53424" cy="79126"/>
             </a:xfrm>
             <a:custGeom>
@@ -40712,7 +40712,7 @@
           </p:nvSpPr>
           <p:spPr>
             <a:xfrm>
-              <a:off x="8784676" y="5715377"/>
+              <a:off x="8784641" y="5719075"/>
               <a:ext cx="33506" cy="63137"/>
             </a:xfrm>
             <a:custGeom>
@@ -41223,7 +41223,7 @@
           </p:nvSpPr>
           <p:spPr>
             <a:xfrm>
-              <a:off x="8836899" y="5707410"/>
+              <a:off x="8836865" y="5711107"/>
               <a:ext cx="53424" cy="79126"/>
             </a:xfrm>
             <a:custGeom>
@@ -41734,7 +41734,7 @@
           </p:nvSpPr>
           <p:spPr>
             <a:xfrm>
-              <a:off x="8846831" y="5715377"/>
+              <a:off x="8846797" y="5719075"/>
               <a:ext cx="33506" cy="63137"/>
             </a:xfrm>
             <a:custGeom>
